--- a/lessons/I_DocumentClassification_PredictiveModeling/D_text2Vec_v2.pptx
+++ b/lessons/I_DocumentClassification_PredictiveModeling/D_text2Vec_v2.pptx
@@ -231,7 +231,7 @@
           <a:p>
             <a:fld id="{B0C0A60C-850A-4EA4-9C14-A8FE98B94505}" type="datetimeFigureOut">
               <a:rPr lang="en-US" smtClean="0"/>
-              <a:t>3/31/21</a:t>
+              <a:t>4/1/21</a:t>
             </a:fld>
             <a:endParaRPr lang="en-US"/>
           </a:p>
@@ -630,7 +630,7 @@
           <a:p>
             <a:fld id="{5738B90E-0779-4C36-915C-6F05FCD89456}" type="datetime1">
               <a:rPr lang="en-US" smtClean="0"/>
-              <a:t>3/31/21</a:t>
+              <a:t>4/1/21</a:t>
             </a:fld>
             <a:endParaRPr lang="en-US"/>
           </a:p>
@@ -810,7 +810,7 @@
           <a:p>
             <a:fld id="{7B9EA29D-D431-42FE-B7B6-AAE4454C77D3}" type="datetime1">
               <a:rPr lang="en-US" smtClean="0"/>
-              <a:t>3/31/21</a:t>
+              <a:t>4/1/21</a:t>
             </a:fld>
             <a:endParaRPr lang="en-US"/>
           </a:p>
@@ -1067,7 +1067,7 @@
           <a:p>
             <a:fld id="{690D8A1E-EA8F-46C1-B891-AE0C00D9C314}" type="datetime1">
               <a:rPr lang="en-US" smtClean="0"/>
-              <a:t>3/31/21</a:t>
+              <a:t>4/1/21</a:t>
             </a:fld>
             <a:endParaRPr lang="en-US"/>
           </a:p>
@@ -1358,7 +1358,7 @@
           <a:p>
             <a:fld id="{D753EFC8-4232-4598-94F6-94C0EBAFC469}" type="datetime1">
               <a:rPr lang="en-US" smtClean="0"/>
-              <a:t>3/31/21</a:t>
+              <a:t>4/1/21</a:t>
             </a:fld>
             <a:endParaRPr lang="en-US"/>
           </a:p>
@@ -1670,7 +1670,7 @@
           <a:p>
             <a:fld id="{F3161074-1C18-4AE7-957D-F18524378C85}" type="datetime1">
               <a:rPr lang="en-US" smtClean="0"/>
-              <a:t>3/31/21</a:t>
+              <a:t>4/1/21</a:t>
             </a:fld>
             <a:endParaRPr lang="en-US"/>
           </a:p>
@@ -1906,7 +1906,7 @@
           <a:p>
             <a:fld id="{69BE256C-8D9A-4404-B47D-41A1AE514425}" type="datetime1">
               <a:rPr lang="en-US" smtClean="0"/>
-              <a:t>3/31/21</a:t>
+              <a:t>4/1/21</a:t>
             </a:fld>
             <a:endParaRPr lang="en-US"/>
           </a:p>
@@ -2337,7 +2337,7 @@
           <a:p>
             <a:fld id="{66CB2154-9035-4012-8189-BAAB61C5A5EE}" type="datetime1">
               <a:rPr lang="en-US" smtClean="0"/>
-              <a:t>3/31/21</a:t>
+              <a:t>4/1/21</a:t>
             </a:fld>
             <a:endParaRPr lang="en-US"/>
           </a:p>
@@ -2508,7 +2508,7 @@
           <a:p>
             <a:fld id="{6700A58B-DD98-43D0-B791-721480A02982}" type="datetime1">
               <a:rPr lang="en-US" smtClean="0"/>
-              <a:t>3/31/21</a:t>
+              <a:t>4/1/21</a:t>
             </a:fld>
             <a:endParaRPr lang="en-US"/>
           </a:p>
@@ -2697,7 +2697,7 @@
           <a:p>
             <a:fld id="{7DB6E382-4F61-4E24-BE1A-377EC83D0E3A}" type="datetime1">
               <a:rPr lang="en-US" smtClean="0"/>
-              <a:t>3/31/21</a:t>
+              <a:t>4/1/21</a:t>
             </a:fld>
             <a:endParaRPr lang="en-US"/>
           </a:p>
@@ -3005,7 +3005,7 @@
           <a:p>
             <a:fld id="{4142EED6-FC16-45B9-B8C4-2BC5DBA88325}" type="datetime1">
               <a:rPr lang="en-US" smtClean="0"/>
-              <a:t>3/31/21</a:t>
+              <a:t>4/1/21</a:t>
             </a:fld>
             <a:endParaRPr lang="en-US"/>
           </a:p>
@@ -3320,7 +3320,7 @@
           <a:p>
             <a:fld id="{DF59512B-4F1D-43D7-8819-2F53FEF69650}" type="datetime1">
               <a:rPr lang="en-US" smtClean="0"/>
-              <a:t>3/31/21</a:t>
+              <a:t>4/1/21</a:t>
             </a:fld>
             <a:endParaRPr lang="en-US"/>
           </a:p>
@@ -3593,7 +3593,7 @@
           <a:p>
             <a:fld id="{08437B94-E2BF-44DC-ADC5-B05FC9934E9D}" type="datetime1">
               <a:rPr lang="en-US" smtClean="0"/>
-              <a:t>3/31/21</a:t>
+              <a:t>4/1/21</a:t>
             </a:fld>
             <a:endParaRPr lang="en-US"/>
           </a:p>
@@ -4026,7 +4026,7 @@
           <a:p>
             <a:fld id="{6700A58B-DD98-43D0-B791-721480A02982}" type="datetime1">
               <a:rPr lang="en-US" smtClean="0"/>
-              <a:t>3/31/21</a:t>
+              <a:t>4/1/21</a:t>
             </a:fld>
             <a:endParaRPr lang="en-US"/>
           </a:p>
@@ -4817,7 +4817,7 @@
           <a:p>
             <a:fld id="{6700A58B-DD98-43D0-B791-721480A02982}" type="datetime1">
               <a:rPr lang="en-US" smtClean="0"/>
-              <a:t>3/31/21</a:t>
+              <a:t>4/1/21</a:t>
             </a:fld>
             <a:endParaRPr lang="en-US"/>
           </a:p>
@@ -4967,7 +4967,7 @@
           <a:p>
             <a:fld id="{6700A58B-DD98-43D0-B791-721480A02982}" type="datetime1">
               <a:rPr lang="en-US" smtClean="0"/>
-              <a:t>3/31/21</a:t>
+              <a:t>4/1/21</a:t>
             </a:fld>
             <a:endParaRPr lang="en-US"/>
           </a:p>
@@ -5216,7 +5216,7 @@
           <a:p>
             <a:fld id="{6700A58B-DD98-43D0-B791-721480A02982}" type="datetime1">
               <a:rPr lang="en-US" smtClean="0"/>
-              <a:t>3/31/21</a:t>
+              <a:t>4/1/21</a:t>
             </a:fld>
             <a:endParaRPr lang="en-US"/>
           </a:p>
@@ -7630,7 +7630,7 @@
           <a:p>
             <a:fld id="{6700A58B-DD98-43D0-B791-721480A02982}" type="datetime1">
               <a:rPr lang="en-US" smtClean="0"/>
-              <a:t>3/31/21</a:t>
+              <a:t>4/1/21</a:t>
             </a:fld>
             <a:endParaRPr lang="en-US"/>
           </a:p>
@@ -10102,7 +10102,7 @@
           <a:p>
             <a:fld id="{6700A58B-DD98-43D0-B791-721480A02982}" type="datetime1">
               <a:rPr lang="en-US" smtClean="0"/>
-              <a:t>3/31/21</a:t>
+              <a:t>4/1/21</a:t>
             </a:fld>
             <a:endParaRPr lang="en-US"/>
           </a:p>
@@ -13178,7 +13178,7 @@
           <a:p>
             <a:fld id="{6700A58B-DD98-43D0-B791-721480A02982}" type="datetime1">
               <a:rPr lang="en-US" smtClean="0"/>
-              <a:t>3/31/21</a:t>
+              <a:t>4/1/21</a:t>
             </a:fld>
             <a:endParaRPr lang="en-US"/>
           </a:p>
@@ -13504,7 +13504,7 @@
           <a:p>
             <a:fld id="{6700A58B-DD98-43D0-B791-721480A02982}" type="datetime1">
               <a:rPr lang="en-US" smtClean="0"/>
-              <a:t>3/31/21</a:t>
+              <a:t>4/1/21</a:t>
             </a:fld>
             <a:endParaRPr lang="en-US"/>
           </a:p>
@@ -13954,7 +13954,7 @@
           <a:p>
             <a:fld id="{6700A58B-DD98-43D0-B791-721480A02982}" type="datetime1">
               <a:rPr lang="en-US" smtClean="0"/>
-              <a:t>3/31/21</a:t>
+              <a:t>4/1/21</a:t>
             </a:fld>
             <a:endParaRPr lang="en-US"/>
           </a:p>
@@ -14475,7 +14475,7 @@
           <a:p>
             <a:fld id="{6700A58B-DD98-43D0-B791-721480A02982}" type="datetime1">
               <a:rPr lang="en-US" smtClean="0"/>
-              <a:t>3/31/21</a:t>
+              <a:t>4/1/21</a:t>
             </a:fld>
             <a:endParaRPr lang="en-US"/>
           </a:p>
@@ -16161,7 +16161,7 @@
           <a:p>
             <a:fld id="{6700A58B-DD98-43D0-B791-721480A02982}" type="datetime1">
               <a:rPr lang="en-US" smtClean="0"/>
-              <a:t>3/31/21</a:t>
+              <a:t>4/1/21</a:t>
             </a:fld>
             <a:endParaRPr lang="en-US"/>
           </a:p>
@@ -16717,7 +16717,7 @@
           <a:p>
             <a:fld id="{6700A58B-DD98-43D0-B791-721480A02982}" type="datetime1">
               <a:rPr lang="en-US" smtClean="0"/>
-              <a:t>3/31/21</a:t>
+              <a:t>4/1/21</a:t>
             </a:fld>
             <a:endParaRPr lang="en-US"/>
           </a:p>
@@ -18068,7 +18068,7 @@
           <a:p>
             <a:fld id="{6700A58B-DD98-43D0-B791-721480A02982}" type="datetime1">
               <a:rPr lang="en-US" smtClean="0"/>
-              <a:t>3/31/21</a:t>
+              <a:t>4/1/21</a:t>
             </a:fld>
             <a:endParaRPr lang="en-US"/>
           </a:p>
@@ -18523,7 +18523,7 @@
             <a:pPr algn="ctr"/>
             <a:r>
               <a:rPr lang="en-US" sz="1200" dirty="0"/>
-              <a:t>What city is near 16 in the city dimension?</a:t>
+              <a:t>What city is near 116 in the city dimension?</a:t>
             </a:r>
           </a:p>
         </p:txBody>
@@ -19640,7 +19640,7 @@
           <a:p>
             <a:fld id="{6700A58B-DD98-43D0-B791-721480A02982}" type="datetime1">
               <a:rPr lang="en-US" smtClean="0"/>
-              <a:t>3/31/21</a:t>
+              <a:t>4/1/21</a:t>
             </a:fld>
             <a:endParaRPr lang="en-US"/>
           </a:p>
@@ -19845,7 +19845,7 @@
           <a:p>
             <a:fld id="{6700A58B-DD98-43D0-B791-721480A02982}" type="datetime1">
               <a:rPr lang="en-US" smtClean="0"/>
-              <a:t>3/31/21</a:t>
+              <a:t>4/1/21</a:t>
             </a:fld>
             <a:endParaRPr lang="en-US"/>
           </a:p>
@@ -20269,7 +20269,7 @@
           <a:p>
             <a:fld id="{6700A58B-DD98-43D0-B791-721480A02982}" type="datetime1">
               <a:rPr lang="en-US" smtClean="0"/>
-              <a:t>3/31/21</a:t>
+              <a:t>4/1/21</a:t>
             </a:fld>
             <a:endParaRPr lang="en-US"/>
           </a:p>
@@ -21965,7 +21965,7 @@
           <a:p>
             <a:fld id="{6700A58B-DD98-43D0-B791-721480A02982}" type="datetime1">
               <a:rPr lang="en-US" smtClean="0"/>
-              <a:t>3/31/21</a:t>
+              <a:t>4/1/21</a:t>
             </a:fld>
             <a:endParaRPr lang="en-US"/>
           </a:p>
@@ -23134,7 +23134,7 @@
           <a:p>
             <a:fld id="{6700A58B-DD98-43D0-B791-721480A02982}" type="datetime1">
               <a:rPr lang="en-US" smtClean="0"/>
-              <a:t>3/31/21</a:t>
+              <a:t>4/1/21</a:t>
             </a:fld>
             <a:endParaRPr lang="en-US"/>
           </a:p>
